--- a/Projet S5 - Arduino.pptx
+++ b/Projet S5 - Arduino.pptx
@@ -4060,11 +4060,7 @@
             </a:r>
             <a:r>
               <a:rPr lang="fr-FR" sz="2400" dirty="0" smtClean="0"/>
-              <a:t>ohamed </a:t>
-            </a:r>
-            <a:r>
-              <a:rPr lang="fr-FR" sz="2400" dirty="0" smtClean="0"/>
-              <a:t>T</a:t>
+              <a:t>ohamed T</a:t>
             </a:r>
             <a:r>
               <a:rPr lang="fr-FR" sz="2400" dirty="0"/>
@@ -4074,16 +4070,11 @@
               <a:rPr lang="fr-FR" sz="2400" dirty="0" smtClean="0"/>
               <a:t>yib</a:t>
             </a:r>
-            <a:endParaRPr lang="fr-FR" sz="2400" dirty="0" smtClean="0"/>
           </a:p>
           <a:p>
             <a:r>
               <a:rPr lang="fr-FR" sz="2400" dirty="0" smtClean="0"/>
-              <a:t>El Bechir </a:t>
-            </a:r>
-            <a:r>
-              <a:rPr lang="fr-FR" sz="2400" dirty="0" smtClean="0"/>
-              <a:t>Sidi </a:t>
+              <a:t>El Bechir Sidi </a:t>
             </a:r>
             <a:r>
               <a:rPr lang="fr-FR" sz="2400" dirty="0"/>
@@ -5456,7 +5447,7 @@
             <a:lstStyle/>
             <a:p>
               <a:r>
-                <a:rPr lang="fr-FR" sz="2400" b="1" u="sng" dirty="0" err="1" smtClean="0">
+                <a:rPr lang="fr-FR" sz="2400" b="1" u="sng" dirty="0" smtClean="0">
                   <a:solidFill>
                     <a:schemeClr val="accent1">
                       <a:lumMod val="75000"/>
@@ -5464,7 +5455,7 @@
                   </a:solidFill>
                   <a:latin typeface="Comic Sans MS" panose="030F0702030302020204" pitchFamily="66" charset="0"/>
                 </a:rPr>
-                <a:t>Realisation</a:t>
+                <a:t>Thermostat</a:t>
               </a:r>
               <a:endParaRPr lang="fr-FR" sz="2400" b="1" u="sng" dirty="0">
                 <a:solidFill>
@@ -5840,13 +5831,7 @@
               <a:rPr lang="fr-FR" sz="4400" dirty="0" smtClean="0">
                 <a:latin typeface="Cooper Black" panose="0208090404030B020404" pitchFamily="18" charset="0"/>
               </a:rPr>
-              <a:t> Conclusion</a:t>
-            </a:r>
-            <a:r>
-              <a:rPr lang="fr-FR" sz="4400" dirty="0" smtClean="0">
-                <a:latin typeface="Cooper Black" panose="0208090404030B020404" pitchFamily="18" charset="0"/>
-              </a:rPr>
-              <a:t>:</a:t>
+              <a:t> Conclusion:</a:t>
             </a:r>
             <a:endParaRPr lang="fr-FR" sz="4400" dirty="0">
               <a:latin typeface="Cooper Black" panose="0208090404030B020404" pitchFamily="18" charset="0"/>
@@ -7681,13 +7666,7 @@
               <a:rPr lang="fr-FR" sz="4400" dirty="0" smtClean="0">
                 <a:latin typeface="Cooper Black" panose="0208090404030B020404" pitchFamily="18" charset="0"/>
               </a:rPr>
-              <a:t>I. Introduction</a:t>
-            </a:r>
-            <a:r>
-              <a:rPr lang="fr-FR" sz="4400" dirty="0" smtClean="0">
-                <a:latin typeface="Cooper Black" panose="0208090404030B020404" pitchFamily="18" charset="0"/>
-              </a:rPr>
-              <a:t>:</a:t>
+              <a:t>I. Introduction:</a:t>
             </a:r>
             <a:endParaRPr lang="fr-FR" sz="4400" dirty="0">
               <a:latin typeface="Cooper Black" panose="0208090404030B020404" pitchFamily="18" charset="0"/>
@@ -8328,13 +8307,7 @@
               <a:rPr lang="fr-FR" dirty="0" smtClean="0">
                 <a:latin typeface="Cooper Black" panose="0208090404030B020404" pitchFamily="18" charset="0"/>
               </a:rPr>
-              <a:t> Présentation </a:t>
-            </a:r>
-            <a:r>
-              <a:rPr lang="fr-FR" dirty="0" smtClean="0">
-                <a:latin typeface="Cooper Black" panose="0208090404030B020404" pitchFamily="18" charset="0"/>
-              </a:rPr>
-              <a:t>de la carte</a:t>
+              <a:t> Présentation de la carte</a:t>
             </a:r>
             <a:endParaRPr lang="fr-FR" dirty="0">
               <a:latin typeface="Cooper Black" panose="0208090404030B020404" pitchFamily="18" charset="0"/>
@@ -10729,13 +10702,7 @@
               <a:rPr lang="fr-FR" dirty="0" smtClean="0">
                 <a:latin typeface="Cooper Black" panose="0208090404030B020404" pitchFamily="18" charset="0"/>
               </a:rPr>
-              <a:t> Les </a:t>
-            </a:r>
-            <a:r>
-              <a:rPr lang="fr-FR" dirty="0" smtClean="0">
-                <a:latin typeface="Cooper Black" panose="0208090404030B020404" pitchFamily="18" charset="0"/>
-              </a:rPr>
-              <a:t>matériels utilisés:</a:t>
+              <a:t> Les matériels utilisés:</a:t>
             </a:r>
             <a:endParaRPr lang="fr-FR" dirty="0">
               <a:latin typeface="Cooper Black" panose="0208090404030B020404" pitchFamily="18" charset="0"/>
@@ -14066,41 +14033,8 @@
                   </a:solidFill>
                   <a:latin typeface="Californian FB" panose="0207040306080B030204" pitchFamily="18" charset="0"/>
                 </a:rPr>
-                <a:t>Distance </a:t>
+                <a:t>Distance = (le temps * la vitesse du son) / 2 </a:t>
               </a:r>
-              <a:r>
-                <a:rPr lang="fr-FR" sz="2000" dirty="0" smtClean="0">
-                  <a:solidFill>
-                    <a:srgbClr val="C00000"/>
-                  </a:solidFill>
-                  <a:latin typeface="Californian FB" panose="0207040306080B030204" pitchFamily="18" charset="0"/>
-                </a:rPr>
-                <a:t>= (le </a:t>
-              </a:r>
-              <a:r>
-                <a:rPr lang="fr-FR" sz="2000" dirty="0" smtClean="0">
-                  <a:solidFill>
-                    <a:srgbClr val="C00000"/>
-                  </a:solidFill>
-                  <a:latin typeface="Californian FB" panose="0207040306080B030204" pitchFamily="18" charset="0"/>
-                </a:rPr>
-                <a:t>temps * la vitesse du son</a:t>
-              </a:r>
-              <a:r>
-                <a:rPr lang="fr-FR" sz="2000" dirty="0" smtClean="0">
-                  <a:solidFill>
-                    <a:srgbClr val="C00000"/>
-                  </a:solidFill>
-                  <a:latin typeface="Californian FB" panose="0207040306080B030204" pitchFamily="18" charset="0"/>
-                </a:rPr>
-                <a:t>) / 2 </a:t>
-              </a:r>
-              <a:endParaRPr lang="fr-FR" sz="2000" dirty="0" smtClean="0">
-                <a:solidFill>
-                  <a:srgbClr val="C00000"/>
-                </a:solidFill>
-                <a:latin typeface="Californian FB" panose="0207040306080B030204" pitchFamily="18" charset="0"/>
-              </a:endParaRPr>
             </a:p>
             <a:p>
               <a:pPr algn="ctr"/>

--- a/Projet S5 - Arduino.pptx
+++ b/Projet S5 - Arduino.pptx
@@ -210,7 +210,7 @@
           <a:p>
             <a:fld id="{F0D7DD1B-0208-4CC4-84C6-266E3288BEBA}" type="datetimeFigureOut">
               <a:rPr lang="fr-FR" smtClean="0"/>
-              <a:t>20/02/2024</a:t>
+              <a:t>01/05/2024</a:t>
             </a:fld>
             <a:endParaRPr lang="fr-FR"/>
           </a:p>
@@ -609,7 +609,7 @@
           <a:p>
             <a:fld id="{2613064D-F1BD-49EC-8038-164126C9F3AE}" type="datetime1">
               <a:rPr lang="fr-FR" smtClean="0"/>
-              <a:t>20/02/2024</a:t>
+              <a:t>01/05/2024</a:t>
             </a:fld>
             <a:endParaRPr lang="fr-FR"/>
           </a:p>
@@ -787,7 +787,7 @@
           <a:p>
             <a:fld id="{9FF0E2BB-CC2E-442A-BD7D-8D5CDF84FE9B}" type="datetime1">
               <a:rPr lang="fr-FR" smtClean="0"/>
-              <a:t>20/02/2024</a:t>
+              <a:t>01/05/2024</a:t>
             </a:fld>
             <a:endParaRPr lang="fr-FR"/>
           </a:p>
@@ -975,7 +975,7 @@
           <a:p>
             <a:fld id="{0A6BF3F5-D796-4B32-B415-6B092EDB591C}" type="datetime1">
               <a:rPr lang="fr-FR" smtClean="0"/>
-              <a:t>20/02/2024</a:t>
+              <a:t>01/05/2024</a:t>
             </a:fld>
             <a:endParaRPr lang="fr-FR"/>
           </a:p>
@@ -1153,7 +1153,7 @@
           <a:p>
             <a:fld id="{5E15C211-7E82-4F9C-A06E-D90C4FA260C0}" type="datetime1">
               <a:rPr lang="fr-FR" smtClean="0"/>
-              <a:t>20/02/2024</a:t>
+              <a:t>01/05/2024</a:t>
             </a:fld>
             <a:endParaRPr lang="fr-FR"/>
           </a:p>
@@ -1407,7 +1407,7 @@
           <a:p>
             <a:fld id="{CE486954-F407-4502-92D5-56397FD847C0}" type="datetime1">
               <a:rPr lang="fr-FR" smtClean="0"/>
-              <a:t>20/02/2024</a:t>
+              <a:t>01/05/2024</a:t>
             </a:fld>
             <a:endParaRPr lang="fr-FR"/>
           </a:p>
@@ -1647,7 +1647,7 @@
           <a:p>
             <a:fld id="{FA9119E3-0D2D-45ED-A938-A44BA8789240}" type="datetime1">
               <a:rPr lang="fr-FR" smtClean="0"/>
-              <a:t>20/02/2024</a:t>
+              <a:t>01/05/2024</a:t>
             </a:fld>
             <a:endParaRPr lang="fr-FR"/>
           </a:p>
@@ -2022,7 +2022,7 @@
           <a:p>
             <a:fld id="{D00F2CF0-2084-4001-BCA4-2F09358B7E0F}" type="datetime1">
               <a:rPr lang="fr-FR" smtClean="0"/>
-              <a:t>20/02/2024</a:t>
+              <a:t>01/05/2024</a:t>
             </a:fld>
             <a:endParaRPr lang="fr-FR"/>
           </a:p>
@@ -2148,7 +2148,7 @@
           <a:p>
             <a:fld id="{6ACD7C0F-E957-411A-B718-370EFA26E1CE}" type="datetime1">
               <a:rPr lang="fr-FR" smtClean="0"/>
-              <a:t>20/02/2024</a:t>
+              <a:t>01/05/2024</a:t>
             </a:fld>
             <a:endParaRPr lang="fr-FR"/>
           </a:p>
@@ -2251,7 +2251,7 @@
           <a:p>
             <a:fld id="{300242D2-C353-49D4-BB30-4BEDE0A73325}" type="datetime1">
               <a:rPr lang="fr-FR" smtClean="0"/>
-              <a:t>20/02/2024</a:t>
+              <a:t>01/05/2024</a:t>
             </a:fld>
             <a:endParaRPr lang="fr-FR"/>
           </a:p>
@@ -2536,7 +2536,7 @@
           <a:p>
             <a:fld id="{74FA298E-98B7-468A-910B-A6918EAED582}" type="datetime1">
               <a:rPr lang="fr-FR" smtClean="0"/>
-              <a:t>20/02/2024</a:t>
+              <a:t>01/05/2024</a:t>
             </a:fld>
             <a:endParaRPr lang="fr-FR"/>
           </a:p>
@@ -2797,7 +2797,7 @@
           <a:p>
             <a:fld id="{2ADBC19B-F926-407B-817D-E8C57D933648}" type="datetime1">
               <a:rPr lang="fr-FR" smtClean="0"/>
-              <a:t>20/02/2024</a:t>
+              <a:t>01/05/2024</a:t>
             </a:fld>
             <a:endParaRPr lang="fr-FR"/>
           </a:p>
@@ -3018,7 +3018,7 @@
           <a:p>
             <a:fld id="{82DCF618-4950-4FF7-B00E-DA0720D69F9C}" type="datetime1">
               <a:rPr lang="fr-FR" smtClean="0"/>
-              <a:t>20/02/2024</a:t>
+              <a:t>01/05/2024</a:t>
             </a:fld>
             <a:endParaRPr lang="fr-FR"/>
           </a:p>
@@ -3651,89 +3651,6 @@
           </p:txBody>
         </p:sp>
       </p:grpSp>
-      <p:pic>
-        <p:nvPicPr>
-          <p:cNvPr id="9" name="Picture 2" descr="logo"/>
-          <p:cNvPicPr>
-            <a:picLocks noChangeAspect="1" noChangeArrowheads="1"/>
-          </p:cNvPicPr>
-          <p:nvPr/>
-        </p:nvPicPr>
-        <p:blipFill>
-          <a:blip r:embed="rId3"/>
-          <a:srcRect/>
-          <a:stretch>
-            <a:fillRect/>
-          </a:stretch>
-        </p:blipFill>
-        <p:spPr bwMode="auto">
-          <a:xfrm>
-            <a:off x="1273543" y="909051"/>
-            <a:ext cx="2011389" cy="1714512"/>
-          </a:xfrm>
-          <a:prstGeom prst="ellipse">
-            <a:avLst/>
-          </a:prstGeom>
-          <a:ln>
-            <a:noFill/>
-          </a:ln>
-          <a:effectLst>
-            <a:softEdge rad="112500"/>
-          </a:effectLst>
-        </p:spPr>
-      </p:pic>
-      <p:sp>
-        <p:nvSpPr>
-          <p:cNvPr id="10" name="Ellipse 9"/>
-          <p:cNvSpPr/>
-          <p:nvPr/>
-        </p:nvSpPr>
-        <p:spPr>
-          <a:xfrm>
-            <a:off x="8969907" y="1119988"/>
-            <a:ext cx="1607501" cy="1320008"/>
-          </a:xfrm>
-          <a:prstGeom prst="ellipse">
-            <a:avLst/>
-          </a:prstGeom>
-          <a:blipFill dpi="0" rotWithShape="1">
-            <a:blip r:embed="rId4"/>
-            <a:srcRect/>
-            <a:stretch>
-              <a:fillRect l="-58000" t="-6000" r="-40000" b="-11000"/>
-            </a:stretch>
-          </a:blipFill>
-          <a:ln>
-            <a:solidFill>
-              <a:schemeClr val="tx1"/>
-            </a:solidFill>
-          </a:ln>
-        </p:spPr>
-        <p:style>
-          <a:lnRef idx="2">
-            <a:schemeClr val="accent1">
-              <a:shade val="50000"/>
-            </a:schemeClr>
-          </a:lnRef>
-          <a:fillRef idx="1">
-            <a:schemeClr val="accent1"/>
-          </a:fillRef>
-          <a:effectRef idx="0">
-            <a:schemeClr val="accent1"/>
-          </a:effectRef>
-          <a:fontRef idx="minor">
-            <a:schemeClr val="lt1"/>
-          </a:fontRef>
-        </p:style>
-        <p:txBody>
-          <a:bodyPr rtlCol="0" anchor="ctr"/>
-          <a:lstStyle/>
-          <a:p>
-            <a:pPr algn="ctr"/>
-            <a:endParaRPr lang="fr-FR" dirty="0"/>
-          </a:p>
-        </p:txBody>
-      </p:sp>
       <p:sp>
         <p:nvSpPr>
           <p:cNvPr id="13" name="ZoneTexte 12"/>
@@ -3777,7 +3694,7 @@
         <p:spPr>
           <a:xfrm>
             <a:off x="8072023" y="288990"/>
-            <a:ext cx="6494388" cy="830997"/>
+            <a:ext cx="4119977" cy="830997"/>
           </a:xfrm>
           <a:prstGeom prst="rect">
             <a:avLst/>
@@ -4167,6 +4084,66 @@
           </a:p>
         </p:txBody>
       </p:sp>
+      <p:pic>
+        <p:nvPicPr>
+          <p:cNvPr id="8" name="Picture 7"/>
+          <p:cNvPicPr>
+            <a:picLocks noChangeAspect="1"/>
+          </p:cNvPicPr>
+          <p:nvPr/>
+        </p:nvPicPr>
+        <p:blipFill>
+          <a:blip r:embed="rId3" cstate="print">
+            <a:extLst>
+              <a:ext uri="{28A0092B-C50C-407E-A947-70E740481C1C}">
+                <a14:useLocalDpi xmlns:a14="http://schemas.microsoft.com/office/drawing/2010/main" val="0"/>
+              </a:ext>
+            </a:extLst>
+          </a:blip>
+          <a:stretch>
+            <a:fillRect/>
+          </a:stretch>
+        </p:blipFill>
+        <p:spPr>
+          <a:xfrm>
+            <a:off x="8966992" y="1261951"/>
+            <a:ext cx="1725436" cy="1725436"/>
+          </a:xfrm>
+          <a:prstGeom prst="rect">
+            <a:avLst/>
+          </a:prstGeom>
+        </p:spPr>
+      </p:pic>
+      <p:pic>
+        <p:nvPicPr>
+          <p:cNvPr id="11" name="Picture 10"/>
+          <p:cNvPicPr>
+            <a:picLocks noChangeAspect="1"/>
+          </p:cNvPicPr>
+          <p:nvPr/>
+        </p:nvPicPr>
+        <p:blipFill>
+          <a:blip r:embed="rId4" cstate="print">
+            <a:extLst>
+              <a:ext uri="{28A0092B-C50C-407E-A947-70E740481C1C}">
+                <a14:useLocalDpi xmlns:a14="http://schemas.microsoft.com/office/drawing/2010/main" val="0"/>
+              </a:ext>
+            </a:extLst>
+          </a:blip>
+          <a:stretch>
+            <a:fillRect/>
+          </a:stretch>
+        </p:blipFill>
+        <p:spPr>
+          <a:xfrm>
+            <a:off x="1565362" y="1163337"/>
+            <a:ext cx="1970955" cy="1970955"/>
+          </a:xfrm>
+          <a:prstGeom prst="rect">
+            <a:avLst/>
+          </a:prstGeom>
+        </p:spPr>
+      </p:pic>
     </p:spTree>
     <p:extLst>
       <p:ext uri="{BB962C8B-B14F-4D97-AF65-F5344CB8AC3E}">
@@ -8299,15 +8276,23 @@
           <a:bodyPr/>
           <a:lstStyle/>
           <a:p>
-            <a:pPr marL="857250" indent="-857250">
-              <a:buFont typeface="+mj-lt"/>
-              <a:buAutoNum type="romanUcPeriod" startAt="3"/>
-            </a:pPr>
             <a:r>
               <a:rPr lang="fr-FR" dirty="0" smtClean="0">
                 <a:latin typeface="Cooper Black" panose="0208090404030B020404" pitchFamily="18" charset="0"/>
               </a:rPr>
-              <a:t> Présentation de la carte</a:t>
+              <a:t>II.</a:t>
+            </a:r>
+            <a:r>
+              <a:rPr lang="fr-FR" dirty="0" smtClean="0">
+                <a:latin typeface="Cooper Black" panose="0208090404030B020404" pitchFamily="18" charset="0"/>
+              </a:rPr>
+              <a:t> </a:t>
+            </a:r>
+            <a:r>
+              <a:rPr lang="fr-FR" dirty="0" smtClean="0">
+                <a:latin typeface="Cooper Black" panose="0208090404030B020404" pitchFamily="18" charset="0"/>
+              </a:rPr>
+              <a:t>Présentation de la carte</a:t>
             </a:r>
             <a:endParaRPr lang="fr-FR" dirty="0">
               <a:latin typeface="Cooper Black" panose="0208090404030B020404" pitchFamily="18" charset="0"/>
@@ -10191,15 +10176,18 @@
           </a:bodyPr>
           <a:lstStyle/>
           <a:p>
-            <a:pPr marL="857250" indent="-857250" algn="ctr">
-              <a:buFont typeface="+mj-lt"/>
-              <a:buAutoNum type="romanUcPeriod" startAt="2"/>
-            </a:pPr>
+            <a:pPr algn="ctr"/>
             <a:r>
               <a:rPr lang="fr-FR" sz="4400" dirty="0" smtClean="0">
                 <a:latin typeface="Cooper Black" panose="0208090404030B020404" pitchFamily="18" charset="0"/>
               </a:rPr>
-              <a:t>Le langage Arduino:</a:t>
+              <a:t>III. Le </a:t>
+            </a:r>
+            <a:r>
+              <a:rPr lang="fr-FR" sz="4400" dirty="0" smtClean="0">
+                <a:latin typeface="Cooper Black" panose="0208090404030B020404" pitchFamily="18" charset="0"/>
+              </a:rPr>
+              <a:t>langage Arduino:</a:t>
             </a:r>
             <a:endParaRPr lang="fr-FR" sz="4400" dirty="0">
               <a:latin typeface="Cooper Black" panose="0208090404030B020404" pitchFamily="18" charset="0"/>
